--- a/ML_Project_Poster.pptx
+++ b/ML_Project_Poster.pptx
@@ -2262,7 +2262,7 @@
               <a:buChar char="•"/>
             </a:pPr>
             <a:r>
-              <a:rPr lang="en-US" sz="3200" dirty="0" smtClean="0"/>
+              <a:rPr lang="en-US" sz="4400" dirty="0" smtClean="0"/>
               <a:t>https://www.kaggle.com/rajanand/crime-in-india#20 Victims of rape.csv</a:t>
             </a:r>
           </a:p>
@@ -2275,28 +2275,28 @@
               <a:buChar char="•"/>
             </a:pPr>
             <a:r>
-              <a:rPr lang="en-US" sz="3200" dirty="0"/>
-              <a:t>https://scikit-learn.org/stable/modules/generated/sklearn.tree.DecisionTreeClassifier.html</a:t>
-            </a:r>
-            <a:r>
-              <a:rPr lang="en-US" sz="3200" dirty="0" smtClean="0"/>
-              <a:t> </a:t>
-            </a:r>
-            <a:r>
-              <a:rPr lang="en-US" sz="3200" dirty="0"/>
+              <a:rPr lang="en-US" sz="4400" dirty="0"/>
+              <a:t>https://</a:t>
+            </a:r>
+            <a:r>
+              <a:rPr lang="en-US" sz="4400" dirty="0" smtClean="0"/>
+              <a:t>scikit-learn.org/stable/modules/generated/sklearn.tree.DecisionTreeClassifier.html </a:t>
+            </a:r>
+            <a:r>
+              <a:rPr lang="en-US" sz="4400" dirty="0"/>
               <a:t/>
             </a:r>
             <a:br>
-              <a:rPr lang="en-US" sz="3200" dirty="0"/>
+              <a:rPr lang="en-US" sz="4400" dirty="0"/>
             </a:br>
             <a:r>
-              <a:rPr lang="en-US" sz="3200" dirty="0"/>
+              <a:rPr lang="en-US" sz="4400" dirty="0"/>
               <a:t/>
             </a:r>
             <a:br>
-              <a:rPr lang="en-US" sz="3200" dirty="0"/>
+              <a:rPr lang="en-US" sz="4400" dirty="0"/>
             </a:br>
-            <a:endParaRPr lang="en-US" sz="3200" dirty="0"/>
+            <a:endParaRPr lang="en-US" sz="4400" dirty="0"/>
           </a:p>
         </p:txBody>
       </p:sp>

--- a/ML_Project_Poster.pptx
+++ b/ML_Project_Poster.pptx
@@ -1823,59 +1823,44 @@
         <p:spPr>
           <a:xfrm>
             <a:off x="914400" y="7543800"/>
-            <a:ext cx="10141528" cy="8686800"/>
+            <a:ext cx="10141528" cy="9601200"/>
           </a:xfrm>
         </p:spPr>
         <p:txBody>
           <a:bodyPr tIns="365760">
-            <a:normAutofit fontScale="77500" lnSpcReduction="20000"/>
+            <a:noAutofit/>
           </a:bodyPr>
           <a:lstStyle/>
           <a:p>
             <a:pPr algn="just"/>
             <a:r>
-              <a:rPr lang="en-US" dirty="0">
-                <a:latin typeface="Garamond (Body)"/>
-                <a:cs typeface="Times New Roman" panose="02020603050405020304" pitchFamily="18" charset="0"/>
-              </a:rPr>
+              <a:rPr lang="en-US" sz="5200" dirty="0"/>
               <a:t>India is going through </a:t>
             </a:r>
             <a:r>
-              <a:rPr lang="en-US" dirty="0" smtClean="0">
-                <a:latin typeface="Garamond (Body)"/>
-                <a:cs typeface="Times New Roman" panose="02020603050405020304" pitchFamily="18" charset="0"/>
-              </a:rPr>
+              <a:rPr lang="en-US" sz="5200" dirty="0"/>
               <a:t>an enormous </a:t>
             </a:r>
             <a:r>
-              <a:rPr lang="en-US" dirty="0">
-                <a:latin typeface="Garamond (Body)"/>
-                <a:cs typeface="Times New Roman" panose="02020603050405020304" pitchFamily="18" charset="0"/>
-              </a:rPr>
+              <a:rPr lang="en-US" sz="5200" dirty="0"/>
               <a:t>increase in the crime </a:t>
             </a:r>
             <a:r>
-              <a:rPr lang="en-US" dirty="0" smtClean="0">
-                <a:latin typeface="Garamond (Body)"/>
-                <a:cs typeface="Times New Roman" panose="02020603050405020304" pitchFamily="18" charset="0"/>
-              </a:rPr>
+              <a:rPr lang="en-US" sz="5200" dirty="0"/>
               <a:t>in the </a:t>
             </a:r>
             <a:r>
-              <a:rPr lang="en-US" dirty="0">
-                <a:latin typeface="Garamond (Body)"/>
-                <a:cs typeface="Times New Roman" panose="02020603050405020304" pitchFamily="18" charset="0"/>
-              </a:rPr>
+              <a:rPr lang="en-US" sz="5200" dirty="0"/>
               <a:t>recent past, the data which I am going to work on is going to analyze the crime rates in a particular place and predict the safest cities and places around. I can even say that where the security and police protection should be there. These analysis and predictions will help police department to focus on the current crime rates and change the punishment sections</a:t>
             </a:r>
             <a:r>
-              <a:rPr lang="en-US" dirty="0" smtClean="0">
+              <a:rPr lang="en-US" sz="5200" dirty="0" smtClean="0">
                 <a:latin typeface="Garamond (Body)"/>
                 <a:cs typeface="Times New Roman" panose="02020603050405020304" pitchFamily="18" charset="0"/>
               </a:rPr>
               <a:t>.</a:t>
             </a:r>
-            <a:endParaRPr lang="en-US" dirty="0">
+            <a:endParaRPr lang="en-US" sz="5200" dirty="0">
               <a:latin typeface="Garamond (Body)"/>
               <a:cs typeface="Times New Roman" panose="02020603050405020304" pitchFamily="18" charset="0"/>
             </a:endParaRPr>
@@ -2106,8 +2091,8 @@
         </p:nvSpPr>
         <p:spPr>
           <a:xfrm>
-            <a:off x="914400" y="18288000"/>
-            <a:ext cx="10058400" cy="8686800"/>
+            <a:off x="914400" y="18810512"/>
+            <a:ext cx="10058400" cy="8164287"/>
           </a:xfrm>
         </p:spPr>
         <p:txBody>
@@ -2649,8 +2634,8 @@
         </p:blipFill>
         <p:spPr>
           <a:xfrm>
-            <a:off x="22402800" y="18810513"/>
-            <a:ext cx="9092266" cy="6061510"/>
+            <a:off x="19809381" y="18009739"/>
+            <a:ext cx="11685685" cy="7790456"/>
           </a:xfrm>
           <a:prstGeom prst="rect">
             <a:avLst/>
@@ -2679,8 +2664,8 @@
         </p:blipFill>
         <p:spPr>
           <a:xfrm>
-            <a:off x="22402800" y="9548596"/>
-            <a:ext cx="9207198" cy="6138131"/>
+            <a:off x="19665771" y="8747822"/>
+            <a:ext cx="11944228" cy="8005291"/>
           </a:xfrm>
           <a:prstGeom prst="rect">
             <a:avLst/>
@@ -2695,8 +2680,8 @@
         </p:nvSpPr>
         <p:spPr>
           <a:xfrm>
-            <a:off x="12718472" y="9548595"/>
-            <a:ext cx="8686800" cy="5078313"/>
+            <a:off x="12243693" y="9488382"/>
+            <a:ext cx="7006442" cy="7571303"/>
           </a:xfrm>
           <a:prstGeom prst="rect">
             <a:avLst/>
@@ -2744,8 +2729,8 @@
         </p:nvSpPr>
         <p:spPr>
           <a:xfrm>
-            <a:off x="12718473" y="18810514"/>
-            <a:ext cx="8686800" cy="5909310"/>
+            <a:off x="12243693" y="18202685"/>
+            <a:ext cx="7006442" cy="8402300"/>
           </a:xfrm>
           <a:prstGeom prst="rect">
             <a:avLst/>
@@ -2816,6 +2801,13 @@
   <p:clrMapOvr>
     <a:masterClrMapping/>
   </p:clrMapOvr>
+  <p:timing>
+    <p:tnLst>
+      <p:par>
+        <p:cTn id="1" dur="indefinite" restart="never" nodeType="tmRoot"/>
+      </p:par>
+    </p:tnLst>
+  </p:timing>
 </p:sld>
 </file>
 
